--- a/presentation/convert_to_pdf/several_slides.pptx
+++ b/presentation/convert_to_pdf/several_slides.pptx
@@ -322,7 +322,7 @@
           <a:p>
             <a:fld id="{C485584D-7D79-4248-9986-4CA35242F944}" type="datetimeFigureOut">
               <a:rPr lang="en-US" smtClean="0"/>
-              <a:t>9/8/21</a:t>
+              <a:t>9/23/21</a:t>
             </a:fld>
             <a:endParaRPr lang="en-US"/>
           </a:p>
@@ -696,7 +696,7 @@
           <a:p>
             <a:fld id="{C485584D-7D79-4248-9986-4CA35242F944}" type="datetimeFigureOut">
               <a:rPr lang="en-US" smtClean="0"/>
-              <a:t>9/8/21</a:t>
+              <a:t>9/23/21</a:t>
             </a:fld>
             <a:endParaRPr lang="en-US"/>
           </a:p>
@@ -906,7 +906,7 @@
           <a:p>
             <a:fld id="{C485584D-7D79-4248-9986-4CA35242F944}" type="datetimeFigureOut">
               <a:rPr lang="en-US" smtClean="0"/>
-              <a:t>9/8/21</a:t>
+              <a:t>9/23/21</a:t>
             </a:fld>
             <a:endParaRPr lang="en-US"/>
           </a:p>
@@ -1105,7 +1105,7 @@
           <a:p>
             <a:fld id="{C485584D-7D79-4248-9986-4CA35242F944}" type="datetimeFigureOut">
               <a:rPr lang="en-US" smtClean="0"/>
-              <a:t>9/8/21</a:t>
+              <a:t>9/23/21</a:t>
             </a:fld>
             <a:endParaRPr lang="en-US"/>
           </a:p>
@@ -1218,7 +1218,7 @@
           <a:p>
             <a:fld id="{C485584D-7D79-4248-9986-4CA35242F944}" type="datetimeFigureOut">
               <a:rPr lang="en-US" smtClean="0"/>
-              <a:t>9/8/21</a:t>
+              <a:t>9/23/21</a:t>
             </a:fld>
             <a:endParaRPr lang="en-US"/>
           </a:p>
@@ -1954,7 +1954,7 @@
           <a:p>
             <a:fld id="{C485584D-7D79-4248-9986-4CA35242F944}" type="datetimeFigureOut">
               <a:rPr lang="en-US" smtClean="0"/>
-              <a:t>9/8/21</a:t>
+              <a:t>9/23/21</a:t>
             </a:fld>
             <a:endParaRPr lang="en-US"/>
           </a:p>
@@ -2370,7 +2370,7 @@
           <a:p>
             <a:fld id="{C485584D-7D79-4248-9986-4CA35242F944}" type="datetimeFigureOut">
               <a:rPr lang="en-US" smtClean="0"/>
-              <a:t>9/8/21</a:t>
+              <a:t>9/23/21</a:t>
             </a:fld>
             <a:endParaRPr lang="en-US"/>
           </a:p>
@@ -2511,7 +2511,7 @@
           <a:p>
             <a:fld id="{C485584D-7D79-4248-9986-4CA35242F944}" type="datetimeFigureOut">
               <a:rPr lang="en-US" smtClean="0"/>
-              <a:t>9/8/21</a:t>
+              <a:t>9/23/21</a:t>
             </a:fld>
             <a:endParaRPr lang="en-US"/>
           </a:p>
@@ -2624,7 +2624,7 @@
           <a:p>
             <a:fld id="{C485584D-7D79-4248-9986-4CA35242F944}" type="datetimeFigureOut">
               <a:rPr lang="en-US" smtClean="0"/>
-              <a:t>9/8/21</a:t>
+              <a:t>9/23/21</a:t>
             </a:fld>
             <a:endParaRPr lang="en-US"/>
           </a:p>
@@ -2937,7 +2937,7 @@
           <a:p>
             <a:fld id="{C485584D-7D79-4248-9986-4CA35242F944}" type="datetimeFigureOut">
               <a:rPr lang="en-US" smtClean="0"/>
-              <a:t>9/8/21</a:t>
+              <a:t>9/23/21</a:t>
             </a:fld>
             <a:endParaRPr lang="en-US"/>
           </a:p>
@@ -3229,7 +3229,7 @@
           <a:p>
             <a:fld id="{C485584D-7D79-4248-9986-4CA35242F944}" type="datetimeFigureOut">
               <a:rPr lang="en-US" smtClean="0"/>
-              <a:t>9/8/21</a:t>
+              <a:t>9/23/21</a:t>
             </a:fld>
             <a:endParaRPr lang="en-US"/>
           </a:p>
@@ -3513,7 +3513,7 @@
           <a:p>
             <a:fld id="{C485584D-7D79-4248-9986-4CA35242F944}" type="datetimeFigureOut">
               <a:rPr lang="en-US" smtClean="0"/>
-              <a:t>9/8/21</a:t>
+              <a:t>9/23/21</a:t>
             </a:fld>
             <a:endParaRPr lang="en-US"/>
           </a:p>
